--- a/sheerin resume.pptx
+++ b/sheerin resume.pptx
@@ -249,7 +249,7 @@
             <a:fld id="{86C988DC-9DE3-4390-97AB-D61B85DACE57}" type="datetimeFigureOut">
               <a:rPr lang="pt-PT" sz="900" smtClean="0"/>
               <a:pPr/>
-              <a:t>27/07/2022</a:t>
+              <a:t>03/11/2022</a:t>
             </a:fld>
             <a:endParaRPr lang="pt-PT" sz="900"/>
           </a:p>
@@ -428,7 +428,7 @@
             <a:fld id="{0835B8F7-DAC4-4931-8AED-4356A8B2FD64}" type="datetimeFigureOut">
               <a:rPr lang="pt-BR" smtClean="0"/>
               <a:pPr/>
-              <a:t>27/07/2022</a:t>
+              <a:t>03/11/2022</a:t>
             </a:fld>
             <a:endParaRPr lang="pt-BR"/>
           </a:p>
@@ -776,6 +776,14 @@
             </a:pPr>
             <a:endParaRPr lang="nl-NL" altLang="nl-NL" dirty="0"/>
           </a:p>
+          <a:p>
+            <a:pPr eaLnBrk="1" hangingPunct="1">
+              <a:spcBef>
+                <a:spcPct val="0"/>
+              </a:spcBef>
+            </a:pPr>
+            <a:endParaRPr lang="nl-NL" altLang="nl-NL" dirty="0"/>
+          </a:p>
         </p:txBody>
       </p:sp>
     </p:spTree>
@@ -828,7 +836,7 @@
           <a:graphicData uri="http://schemas.openxmlformats.org/presentationml/2006/ole">
             <mc:AlternateContent xmlns:mc="http://schemas.openxmlformats.org/markup-compatibility/2006">
               <mc:Choice xmlns:v="urn:schemas-microsoft-com:vml" Requires="v">
-                <p:oleObj spid="_x0000_s4109" name="think-cell Slide" r:id="rId6" imgW="360" imgH="360" progId="">
+                <p:oleObj spid="_x0000_s4112" name="think-cell Slide" r:id="rId6" imgW="360" imgH="360" progId="">
                   <p:embed/>
                 </p:oleObj>
               </mc:Choice>
@@ -2263,7 +2271,7 @@
           <a:graphicData uri="http://schemas.openxmlformats.org/presentationml/2006/ole">
             <mc:AlternateContent xmlns:mc="http://schemas.openxmlformats.org/markup-compatibility/2006">
               <mc:Choice xmlns:v="urn:schemas-microsoft-com:vml" Requires="v">
-                <p:oleObj spid="_x0000_s10253" name="think-cell Slide" r:id="rId4" imgW="270" imgH="270" progId="TCLayout.ActiveDocument.1">
+                <p:oleObj spid="_x0000_s10256" name="think-cell Slide" r:id="rId4" imgW="270" imgH="270" progId="TCLayout.ActiveDocument.1">
                   <p:embed/>
                 </p:oleObj>
               </mc:Choice>
@@ -2737,7 +2745,7 @@
           <a:graphicData uri="http://schemas.openxmlformats.org/presentationml/2006/ole">
             <mc:AlternateContent xmlns:mc="http://schemas.openxmlformats.org/markup-compatibility/2006">
               <mc:Choice xmlns:v="urn:schemas-microsoft-com:vml" Requires="v">
-                <p:oleObj spid="_x0000_s11277" name="think-cell Slide" r:id="rId4" imgW="270" imgH="270" progId="TCLayout.ActiveDocument.1">
+                <p:oleObj spid="_x0000_s11280" name="think-cell Slide" r:id="rId4" imgW="270" imgH="270" progId="TCLayout.ActiveDocument.1">
                   <p:embed/>
                 </p:oleObj>
               </mc:Choice>
@@ -2864,7 +2872,7 @@
           <a:graphicData uri="http://schemas.openxmlformats.org/presentationml/2006/ole">
             <mc:AlternateContent xmlns:mc="http://schemas.openxmlformats.org/markup-compatibility/2006">
               <mc:Choice xmlns:v="urn:schemas-microsoft-com:vml" Requires="v">
-                <p:oleObj spid="_x0000_s12301" name="think-cell Slide" r:id="rId4" imgW="270" imgH="270" progId="TCLayout.ActiveDocument.1">
+                <p:oleObj spid="_x0000_s12304" name="think-cell Slide" r:id="rId4" imgW="270" imgH="270" progId="TCLayout.ActiveDocument.1">
                   <p:embed/>
                 </p:oleObj>
               </mc:Choice>
@@ -4398,7 +4406,7 @@
           <a:graphicData uri="http://schemas.openxmlformats.org/presentationml/2006/ole">
             <mc:AlternateContent xmlns:mc="http://schemas.openxmlformats.org/markup-compatibility/2006">
               <mc:Choice xmlns:v="urn:schemas-microsoft-com:vml" Requires="v">
-                <p:oleObj spid="_x0000_s5133" name="think-cell Slide" r:id="rId7" imgW="360" imgH="360" progId="">
+                <p:oleObj spid="_x0000_s5136" name="think-cell Slide" r:id="rId7" imgW="360" imgH="360" progId="">
                   <p:embed/>
                 </p:oleObj>
               </mc:Choice>
@@ -5297,7 +5305,7 @@
           <a:graphicData uri="http://schemas.openxmlformats.org/presentationml/2006/ole">
             <mc:AlternateContent xmlns:mc="http://schemas.openxmlformats.org/markup-compatibility/2006">
               <mc:Choice xmlns:v="urn:schemas-microsoft-com:vml" Requires="v">
-                <p:oleObj spid="_x0000_s14349" name="think-cell Slide" r:id="rId4" imgW="270" imgH="270" progId="TCLayout.ActiveDocument.1">
+                <p:oleObj spid="_x0000_s14352" name="think-cell Slide" r:id="rId4" imgW="270" imgH="270" progId="TCLayout.ActiveDocument.1">
                   <p:embed/>
                 </p:oleObj>
               </mc:Choice>
@@ -5771,7 +5779,7 @@
           <a:graphicData uri="http://schemas.openxmlformats.org/presentationml/2006/ole">
             <mc:AlternateContent xmlns:mc="http://schemas.openxmlformats.org/markup-compatibility/2006">
               <mc:Choice xmlns:v="urn:schemas-microsoft-com:vml" Requires="v">
-                <p:oleObj spid="_x0000_s15373" name="think-cell Slide" r:id="rId4" imgW="270" imgH="270" progId="TCLayout.ActiveDocument.1">
+                <p:oleObj spid="_x0000_s15376" name="think-cell Slide" r:id="rId4" imgW="270" imgH="270" progId="TCLayout.ActiveDocument.1">
                   <p:embed/>
                 </p:oleObj>
               </mc:Choice>
@@ -7686,7 +7694,7 @@
           <a:graphicData uri="http://schemas.openxmlformats.org/presentationml/2006/ole">
             <mc:AlternateContent xmlns:mc="http://schemas.openxmlformats.org/markup-compatibility/2006">
               <mc:Choice xmlns:v="urn:schemas-microsoft-com:vml" Requires="v">
-                <p:oleObj spid="_x0000_s17421" name="think-cell Slide" r:id="rId4" imgW="270" imgH="270" progId="TCLayout.ActiveDocument.1">
+                <p:oleObj spid="_x0000_s17424" name="think-cell Slide" r:id="rId4" imgW="270" imgH="270" progId="TCLayout.ActiveDocument.1">
                   <p:embed/>
                 </p:oleObj>
               </mc:Choice>
@@ -11237,7 +11245,7 @@
           <a:graphicData uri="http://schemas.openxmlformats.org/presentationml/2006/ole">
             <mc:AlternateContent xmlns:mc="http://schemas.openxmlformats.org/markup-compatibility/2006">
               <mc:Choice xmlns:v="urn:schemas-microsoft-com:vml" Requires="v">
-                <p:oleObj spid="_x0000_s6157" name="think-cell Slide" r:id="rId7" imgW="360" imgH="360" progId="">
+                <p:oleObj spid="_x0000_s6160" name="think-cell Slide" r:id="rId7" imgW="360" imgH="360" progId="">
                   <p:embed/>
                 </p:oleObj>
               </mc:Choice>
@@ -11483,7 +11491,7 @@
           <a:graphicData uri="http://schemas.openxmlformats.org/presentationml/2006/ole">
             <mc:AlternateContent xmlns:mc="http://schemas.openxmlformats.org/markup-compatibility/2006">
               <mc:Choice xmlns:v="urn:schemas-microsoft-com:vml" Requires="v">
-                <p:oleObj spid="_x0000_s7181" name="think-cell Slide" r:id="rId9" imgW="360" imgH="360" progId="">
+                <p:oleObj spid="_x0000_s7184" name="think-cell Slide" r:id="rId9" imgW="360" imgH="360" progId="">
                   <p:embed/>
                 </p:oleObj>
               </mc:Choice>
@@ -12674,7 +12682,7 @@
           <a:graphicData uri="http://schemas.openxmlformats.org/presentationml/2006/ole">
             <mc:AlternateContent xmlns:mc="http://schemas.openxmlformats.org/markup-compatibility/2006">
               <mc:Choice xmlns:v="urn:schemas-microsoft-com:vml" Requires="v">
-                <p:oleObj spid="_x0000_s8205" name="think-cell Slide" r:id="rId5" imgW="360" imgH="360" progId="">
+                <p:oleObj spid="_x0000_s8208" name="think-cell Slide" r:id="rId5" imgW="360" imgH="360" progId="">
                   <p:embed/>
                 </p:oleObj>
               </mc:Choice>
@@ -12808,7 +12816,7 @@
           <a:graphicData uri="http://schemas.openxmlformats.org/presentationml/2006/ole">
             <mc:AlternateContent xmlns:mc="http://schemas.openxmlformats.org/markup-compatibility/2006">
               <mc:Choice xmlns:v="urn:schemas-microsoft-com:vml" Requires="v">
-                <p:oleObj spid="_x0000_s9229" name="think-cell Slide" r:id="rId4" imgW="360" imgH="360" progId="">
+                <p:oleObj spid="_x0000_s9232" name="think-cell Slide" r:id="rId4" imgW="360" imgH="360" progId="">
                   <p:embed/>
                 </p:oleObj>
               </mc:Choice>
@@ -13002,7 +13010,7 @@
             <a:fld id="{425404F2-BE9A-4460-8815-8F645183555F}" type="datetimeFigureOut">
               <a:rPr lang="en-US" smtClean="0"/>
               <a:pPr/>
-              <a:t>7/27/2022</a:t>
+              <a:t>11/3/2022</a:t>
             </a:fld>
             <a:endParaRPr lang="en-US"/>
           </a:p>
@@ -13217,7 +13225,7 @@
           <a:graphicData uri="http://schemas.openxmlformats.org/presentationml/2006/ole">
             <mc:AlternateContent xmlns:mc="http://schemas.openxmlformats.org/markup-compatibility/2006">
               <mc:Choice xmlns:v="urn:schemas-microsoft-com:vml" Requires="v">
-                <p:oleObj spid="_x0000_s3085" name="think-cell Slide" r:id="rId25" imgW="360" imgH="360" progId="">
+                <p:oleObj spid="_x0000_s3088" name="think-cell Slide" r:id="rId25" imgW="360" imgH="360" progId="">
                   <p:embed/>
                 </p:oleObj>
               </mc:Choice>
@@ -15954,7 +15962,7 @@
           <a:graphicData uri="http://schemas.openxmlformats.org/presentationml/2006/ole">
             <mc:AlternateContent xmlns:mc="http://schemas.openxmlformats.org/markup-compatibility/2006">
               <mc:Choice xmlns:v="urn:schemas-microsoft-com:vml" Requires="v">
-                <p:oleObj spid="_x0000_s13325" name="think-cell Slide" r:id="rId14" imgW="270" imgH="270" progId="TCLayout.ActiveDocument.1">
+                <p:oleObj spid="_x0000_s13328" name="think-cell Slide" r:id="rId14" imgW="270" imgH="270" progId="TCLayout.ActiveDocument.1">
                   <p:embed/>
                 </p:oleObj>
               </mc:Choice>
@@ -17877,7 +17885,7 @@
         </p:blipFill>
         <p:spPr bwMode="auto">
           <a:xfrm>
-            <a:off x="4493236" y="6363493"/>
+            <a:off x="4432500" y="6363493"/>
             <a:ext cx="471487" cy="471488"/>
           </a:xfrm>
           <a:prstGeom prst="rect">
@@ -19631,10 +19639,10 @@
       </p:graphicFrame>
       <p:pic>
         <p:nvPicPr>
-          <p:cNvPr id="10" name="Picture Placeholder 9" descr="A person wearing glasses&#10;&#10;Description automatically generated with medium confidence">
+          <p:cNvPr id="7" name="Picture Placeholder 6" descr="A person smiling for the camera&#10;&#10;Description automatically generated with medium confidence">
             <a:extLst>
               <a:ext uri="{FF2B5EF4-FFF2-40B4-BE49-F238E27FC236}">
-                <a16:creationId xmlns:a16="http://schemas.microsoft.com/office/drawing/2014/main" id="{D183BF15-ADF1-4092-841B-3524786E4D68}"/>
+                <a16:creationId xmlns:a16="http://schemas.microsoft.com/office/drawing/2014/main" id="{1B9E6724-2442-486E-9187-5283BF18D859}"/>
               </a:ext>
             </a:extLst>
           </p:cNvPr>
@@ -19653,17 +19661,12 @@
               </a:ext>
             </a:extLst>
           </a:blip>
-          <a:srcRect t="12466" b="12466"/>
+          <a:srcRect t="15305" b="15305"/>
           <a:stretch>
             <a:fillRect/>
           </a:stretch>
         </p:blipFill>
-        <p:spPr>
-          <a:xfrm>
-            <a:off x="485362" y="254001"/>
-            <a:ext cx="1733550" cy="1735137"/>
-          </a:xfrm>
-        </p:spPr>
+        <p:spPr/>
       </p:pic>
     </p:spTree>
     <p:extLst>
@@ -20803,6 +20806,15 @@
 </file>
 
 <file path=customXml/item2.xml><?xml version="1.0" encoding="utf-8"?>
+<?mso-contentType ?>
+<FormTemplates xmlns="http://schemas.microsoft.com/sharepoint/v3/contenttype/forms">
+  <Display>DocumentLibraryForm</Display>
+  <Edit>DocumentLibraryForm</Edit>
+  <New>DocumentLibraryForm</New>
+</FormTemplates>
+</file>
+
+<file path=customXml/item3.xml><?xml version="1.0" encoding="utf-8"?>
 <ct:contentTypeSchema xmlns:ct="http://schemas.microsoft.com/office/2006/metadata/contentType" xmlns:ma="http://schemas.microsoft.com/office/2006/metadata/properties/metaAttributes" ct:_="" ma:_="" ma:contentTypeName="Document" ma:contentTypeID="0x010100C33155D503BFC942A57BA969F1C4EED5" ma:contentTypeVersion="13" ma:contentTypeDescription="Create a new document." ma:contentTypeScope="" ma:versionID="c80b1f7ea370ae896a5b6e523a0cf15c">
   <xsd:schema xmlns:xsd="http://www.w3.org/2001/XMLSchema" xmlns:xs="http://www.w3.org/2001/XMLSchema" xmlns:p="http://schemas.microsoft.com/office/2006/metadata/properties" xmlns:ns3="25289c4b-8fd1-4155-b56f-82d6fa13afd3" xmlns:ns4="c43bfbf7-b5f8-4451-8464-ef79a2e28ca1" targetNamespace="http://schemas.microsoft.com/office/2006/metadata/properties" ma:root="true" ma:fieldsID="376fee7e205f44b9967171b065daf661" ns3:_="" ns4:_="">
     <xsd:import namespace="25289c4b-8fd1-4155-b56f-82d6fa13afd3"/>
@@ -21025,15 +21037,6 @@
 </ct:contentTypeSchema>
 </file>
 
-<file path=customXml/item3.xml><?xml version="1.0" encoding="utf-8"?>
-<?mso-contentType ?>
-<FormTemplates xmlns="http://schemas.microsoft.com/sharepoint/v3/contenttype/forms">
-  <Display>DocumentLibraryForm</Display>
-  <Edit>DocumentLibraryForm</Edit>
-  <New>DocumentLibraryForm</New>
-</FormTemplates>
-</file>
-
 <file path=customXml/itemProps1.xml><?xml version="1.0" encoding="utf-8"?>
 <ds:datastoreItem xmlns:ds="http://schemas.openxmlformats.org/officeDocument/2006/customXml" ds:itemID="{5430857F-5B57-4BA6-87F2-356B3F6438EF}">
   <ds:schemaRefs>
@@ -21044,6 +21047,14 @@
 </file>
 
 <file path=customXml/itemProps2.xml><?xml version="1.0" encoding="utf-8"?>
+<ds:datastoreItem xmlns:ds="http://schemas.openxmlformats.org/officeDocument/2006/customXml" ds:itemID="{C79773B3-BEED-4422-883D-E6632C7C7120}">
+  <ds:schemaRefs>
+    <ds:schemaRef ds:uri="http://schemas.microsoft.com/sharepoint/v3/contenttype/forms"/>
+  </ds:schemaRefs>
+</ds:datastoreItem>
+</file>
+
+<file path=customXml/itemProps3.xml><?xml version="1.0" encoding="utf-8"?>
 <ds:datastoreItem xmlns:ds="http://schemas.openxmlformats.org/officeDocument/2006/customXml" ds:itemID="{E53A1F87-ED7F-4CA8-8D06-B3888A424EC9}">
   <ds:schemaRefs>
     <ds:schemaRef ds:uri="http://schemas.microsoft.com/office/2006/metadata/contentType"/>
@@ -21060,12 +21071,4 @@
     <ds:schemaRef ds:uri="http://schemas.microsoft.com/internal/obd"/>
   </ds:schemaRefs>
 </ds:datastoreItem>
-</file>
-
-<file path=customXml/itemProps3.xml><?xml version="1.0" encoding="utf-8"?>
-<ds:datastoreItem xmlns:ds="http://schemas.openxmlformats.org/officeDocument/2006/customXml" ds:itemID="{C79773B3-BEED-4422-883D-E6632C7C7120}">
-  <ds:schemaRefs>
-    <ds:schemaRef ds:uri="http://schemas.microsoft.com/sharepoint/v3/contenttype/forms"/>
-  </ds:schemaRefs>
-</ds:datastoreItem>
 </file>